--- a/ipv6-Éliás Péter-.pptx
+++ b/ipv6-Éliás Péter-.pptx
@@ -265,7 +265,7 @@
           <a:p>
             <a:fld id="{C7809B37-608B-4825-8BEC-979DB37688B7}" type="datetimeFigureOut">
               <a:rPr lang="hu-HU" smtClean="0"/>
-              <a:t>2025. 11. 25.</a:t>
+              <a:t>2025. 12. 02.</a:t>
             </a:fld>
             <a:endParaRPr lang="hu-HU"/>
           </a:p>
@@ -463,7 +463,7 @@
           <a:p>
             <a:fld id="{C7809B37-608B-4825-8BEC-979DB37688B7}" type="datetimeFigureOut">
               <a:rPr lang="hu-HU" smtClean="0"/>
-              <a:t>2025. 11. 25.</a:t>
+              <a:t>2025. 12. 02.</a:t>
             </a:fld>
             <a:endParaRPr lang="hu-HU"/>
           </a:p>
@@ -671,7 +671,7 @@
           <a:p>
             <a:fld id="{C7809B37-608B-4825-8BEC-979DB37688B7}" type="datetimeFigureOut">
               <a:rPr lang="hu-HU" smtClean="0"/>
-              <a:t>2025. 11. 25.</a:t>
+              <a:t>2025. 12. 02.</a:t>
             </a:fld>
             <a:endParaRPr lang="hu-HU"/>
           </a:p>
@@ -869,7 +869,7 @@
           <a:p>
             <a:fld id="{C7809B37-608B-4825-8BEC-979DB37688B7}" type="datetimeFigureOut">
               <a:rPr lang="hu-HU" smtClean="0"/>
-              <a:t>2025. 11. 25.</a:t>
+              <a:t>2025. 12. 02.</a:t>
             </a:fld>
             <a:endParaRPr lang="hu-HU"/>
           </a:p>
@@ -1144,7 +1144,7 @@
           <a:p>
             <a:fld id="{C7809B37-608B-4825-8BEC-979DB37688B7}" type="datetimeFigureOut">
               <a:rPr lang="hu-HU" smtClean="0"/>
-              <a:t>2025. 11. 25.</a:t>
+              <a:t>2025. 12. 02.</a:t>
             </a:fld>
             <a:endParaRPr lang="hu-HU"/>
           </a:p>
@@ -1409,7 +1409,7 @@
           <a:p>
             <a:fld id="{C7809B37-608B-4825-8BEC-979DB37688B7}" type="datetimeFigureOut">
               <a:rPr lang="hu-HU" smtClean="0"/>
-              <a:t>2025. 11. 25.</a:t>
+              <a:t>2025. 12. 02.</a:t>
             </a:fld>
             <a:endParaRPr lang="hu-HU"/>
           </a:p>
@@ -1821,7 +1821,7 @@
           <a:p>
             <a:fld id="{C7809B37-608B-4825-8BEC-979DB37688B7}" type="datetimeFigureOut">
               <a:rPr lang="hu-HU" smtClean="0"/>
-              <a:t>2025. 11. 25.</a:t>
+              <a:t>2025. 12. 02.</a:t>
             </a:fld>
             <a:endParaRPr lang="hu-HU"/>
           </a:p>
@@ -1962,7 +1962,7 @@
           <a:p>
             <a:fld id="{C7809B37-608B-4825-8BEC-979DB37688B7}" type="datetimeFigureOut">
               <a:rPr lang="hu-HU" smtClean="0"/>
-              <a:t>2025. 11. 25.</a:t>
+              <a:t>2025. 12. 02.</a:t>
             </a:fld>
             <a:endParaRPr lang="hu-HU"/>
           </a:p>
@@ -2075,7 +2075,7 @@
           <a:p>
             <a:fld id="{C7809B37-608B-4825-8BEC-979DB37688B7}" type="datetimeFigureOut">
               <a:rPr lang="hu-HU" smtClean="0"/>
-              <a:t>2025. 11. 25.</a:t>
+              <a:t>2025. 12. 02.</a:t>
             </a:fld>
             <a:endParaRPr lang="hu-HU"/>
           </a:p>
@@ -2386,7 +2386,7 @@
           <a:p>
             <a:fld id="{C7809B37-608B-4825-8BEC-979DB37688B7}" type="datetimeFigureOut">
               <a:rPr lang="hu-HU" smtClean="0"/>
-              <a:t>2025. 11. 25.</a:t>
+              <a:t>2025. 12. 02.</a:t>
             </a:fld>
             <a:endParaRPr lang="hu-HU"/>
           </a:p>
@@ -2674,7 +2674,7 @@
           <a:p>
             <a:fld id="{C7809B37-608B-4825-8BEC-979DB37688B7}" type="datetimeFigureOut">
               <a:rPr lang="hu-HU" smtClean="0"/>
-              <a:t>2025. 11. 25.</a:t>
+              <a:t>2025. 12. 02.</a:t>
             </a:fld>
             <a:endParaRPr lang="hu-HU"/>
           </a:p>
@@ -2752,9 +2752,15 @@
   <p:cSld>
     <p:bg>
       <p:bgPr>
-        <a:solidFill>
-          <a:schemeClr val="bg1"/>
-        </a:solidFill>
+        <a:blipFill dpi="0" rotWithShape="1">
+          <a:blip r:embed="rId13">
+            <a:lum/>
+          </a:blip>
+          <a:srcRect/>
+          <a:stretch>
+            <a:fillRect t="-9000" b="-9000"/>
+          </a:stretch>
+        </a:blipFill>
         <a:effectLst/>
       </p:bgPr>
     </p:bg>
@@ -2918,7 +2924,7 @@
           <a:p>
             <a:fld id="{C7809B37-608B-4825-8BEC-979DB37688B7}" type="datetimeFigureOut">
               <a:rPr lang="hu-HU" smtClean="0"/>
-              <a:t>2025. 11. 25.</a:t>
+              <a:t>2025. 12. 02.</a:t>
             </a:fld>
             <a:endParaRPr lang="hu-HU"/>
           </a:p>
@@ -3321,20 +3327,6 @@
 <file path=ppt/slides/slide1.xml><?xml version="1.0" encoding="utf-8"?>
 <p:sld xmlns:a="http://schemas.openxmlformats.org/drawingml/2006/main" xmlns:r="http://schemas.openxmlformats.org/officeDocument/2006/relationships" xmlns:p="http://schemas.openxmlformats.org/presentationml/2006/main">
   <p:cSld>
-    <p:bg>
-      <p:bgPr>
-        <a:blipFill dpi="0" rotWithShape="1">
-          <a:blip r:embed="rId2">
-            <a:lum/>
-          </a:blip>
-          <a:srcRect/>
-          <a:stretch>
-            <a:fillRect t="-9000" b="-9000"/>
-          </a:stretch>
-        </a:blipFill>
-        <a:effectLst/>
-      </p:bgPr>
-    </p:bg>
     <p:spTree>
       <p:nvGrpSpPr>
         <p:cNvPr id="1" name=""/>
@@ -3373,13 +3365,31 @@
           <a:lstStyle/>
           <a:p>
             <a:r>
-              <a:rPr lang="hu-HU" b="1" dirty="0"/>
+              <a:rPr lang="hu-HU" b="1" dirty="0">
+                <a:solidFill>
+                  <a:schemeClr val="bg1">
+                    <a:lumMod val="95000"/>
+                  </a:schemeClr>
+                </a:solidFill>
+              </a:rPr>
               <a:t>IPv6 - Az Internet Protokoll következő generációja </a:t>
             </a:r>
             <a:br>
-              <a:rPr lang="hu-HU" dirty="0"/>
+              <a:rPr lang="hu-HU" dirty="0">
+                <a:solidFill>
+                  <a:schemeClr val="bg1">
+                    <a:lumMod val="95000"/>
+                  </a:schemeClr>
+                </a:solidFill>
+              </a:rPr>
             </a:br>
-            <a:endParaRPr lang="hu-HU" dirty="0"/>
+            <a:endParaRPr lang="hu-HU" dirty="0">
+              <a:solidFill>
+                <a:schemeClr val="bg1">
+                  <a:lumMod val="95000"/>
+                </a:schemeClr>
+              </a:solidFill>
+            </a:endParaRPr>
           </a:p>
         </p:txBody>
       </p:sp>
@@ -3438,20 +3448,6 @@
 <file path=ppt/slides/slide2.xml><?xml version="1.0" encoding="utf-8"?>
 <p:sld xmlns:a="http://schemas.openxmlformats.org/drawingml/2006/main" xmlns:r="http://schemas.openxmlformats.org/officeDocument/2006/relationships" xmlns:p="http://schemas.openxmlformats.org/presentationml/2006/main">
   <p:cSld>
-    <p:bg>
-      <p:bgPr>
-        <a:blipFill dpi="0" rotWithShape="1">
-          <a:blip r:embed="rId2">
-            <a:lum/>
-          </a:blip>
-          <a:srcRect/>
-          <a:stretch>
-            <a:fillRect t="-7000" b="-7000"/>
-          </a:stretch>
-        </a:blipFill>
-        <a:effectLst/>
-      </p:bgPr>
-    </p:bg>
     <p:spTree>
       <p:nvGrpSpPr>
         <p:cNvPr id="1" name=""/>
@@ -3468,79 +3464,23 @@
       </p:grpSpPr>
       <p:sp>
         <p:nvSpPr>
-          <p:cNvPr id="4" name="Téglalap 3">
-            <a:extLst>
-              <a:ext uri="{FF2B5EF4-FFF2-40B4-BE49-F238E27FC236}">
-                <a16:creationId xmlns:a16="http://schemas.microsoft.com/office/drawing/2014/main" id="{EAF16D37-E183-4BE6-9EF6-69A88B5BAAEE}"/>
-              </a:ext>
-            </a:extLst>
-          </p:cNvPr>
-          <p:cNvSpPr/>
-          <p:nvPr/>
+          <p:cNvPr id="2" name="Cím 1">
+            <a:extLst>
+              <a:ext uri="{FF2B5EF4-FFF2-40B4-BE49-F238E27FC236}">
+                <a16:creationId xmlns:a16="http://schemas.microsoft.com/office/drawing/2014/main" id="{38F6F6C1-9B11-4BB4-9542-98F1F145CE82}"/>
+              </a:ext>
+            </a:extLst>
+          </p:cNvPr>
+          <p:cNvSpPr>
+            <a:spLocks noGrp="1"/>
+          </p:cNvSpPr>
+          <p:nvPr>
+            <p:ph type="title"/>
+          </p:nvPr>
         </p:nvSpPr>
         <p:spPr>
           <a:xfrm>
-            <a:off x="838200" y="1854200"/>
-            <a:ext cx="9423400" cy="1831976"/>
-          </a:xfrm>
-          <a:prstGeom prst="rect">
-            <a:avLst/>
-          </a:prstGeom>
-          <a:solidFill>
-            <a:schemeClr val="accent1">
-              <a:lumMod val="40000"/>
-              <a:lumOff val="60000"/>
-              <a:alpha val="13000"/>
-            </a:schemeClr>
-          </a:solidFill>
-          <a:ln>
-            <a:noFill/>
-          </a:ln>
-        </p:spPr>
-        <p:style>
-          <a:lnRef idx="2">
-            <a:schemeClr val="accent1">
-              <a:shade val="50000"/>
-            </a:schemeClr>
-          </a:lnRef>
-          <a:fillRef idx="1">
-            <a:schemeClr val="accent1"/>
-          </a:fillRef>
-          <a:effectRef idx="0">
-            <a:schemeClr val="accent1"/>
-          </a:effectRef>
-          <a:fontRef idx="minor">
-            <a:schemeClr val="lt1"/>
-          </a:fontRef>
-        </p:style>
-        <p:txBody>
-          <a:bodyPr rtlCol="0" anchor="ctr"/>
-          <a:lstStyle/>
-          <a:p>
-            <a:pPr algn="ctr"/>
-            <a:endParaRPr lang="hu-HU" dirty="0"/>
-          </a:p>
-        </p:txBody>
-      </p:sp>
-      <p:sp>
-        <p:nvSpPr>
-          <p:cNvPr id="2" name="Cím 1">
-            <a:extLst>
-              <a:ext uri="{FF2B5EF4-FFF2-40B4-BE49-F238E27FC236}">
-                <a16:creationId xmlns:a16="http://schemas.microsoft.com/office/drawing/2014/main" id="{38F6F6C1-9B11-4BB4-9542-98F1F145CE82}"/>
-              </a:ext>
-            </a:extLst>
-          </p:cNvPr>
-          <p:cNvSpPr>
-            <a:spLocks noGrp="1"/>
-          </p:cNvSpPr>
-          <p:nvPr>
-            <p:ph type="title"/>
-          </p:nvPr>
-        </p:nvSpPr>
-        <p:spPr>
-          <a:xfrm>
-            <a:off x="1930400" y="1444625"/>
+            <a:off x="0" y="0"/>
             <a:ext cx="7010400" cy="1325563"/>
           </a:xfrm>
         </p:spPr>
@@ -3550,6 +3490,11 @@
           <a:p>
             <a:r>
               <a:rPr lang="hu-HU" b="1" dirty="0">
+                <a:solidFill>
+                  <a:schemeClr val="bg1">
+                    <a:lumMod val="95000"/>
+                  </a:schemeClr>
+                </a:solidFill>
                 <a:latin typeface="Arial Rounded MT Bold" panose="020F0704030504030204" pitchFamily="34" charset="0"/>
               </a:rPr>
               <a:t>A hálózat új nyelve: IPv6</a:t>
@@ -3575,7 +3520,7 @@
         </p:nvSpPr>
         <p:spPr>
           <a:xfrm>
-            <a:off x="838200" y="2857501"/>
+            <a:off x="0" y="1325563"/>
             <a:ext cx="10515600" cy="828675"/>
           </a:xfrm>
         </p:spPr>
@@ -3587,6 +3532,11 @@
           <a:p>
             <a:r>
               <a:rPr lang="hu-HU" b="1" dirty="0">
+                <a:solidFill>
+                  <a:schemeClr val="bg1">
+                    <a:lumMod val="95000"/>
+                  </a:schemeClr>
+                </a:solidFill>
                 <a:latin typeface="Arial Rounded MT Bold" panose="020F0704030504030204" pitchFamily="34" charset="0"/>
               </a:rPr>
               <a:t>Az IPv6 célja</a:t>
@@ -3595,6 +3545,11 @@
           <a:p>
             <a:r>
               <a:rPr lang="hu-HU" b="1" dirty="0">
+                <a:solidFill>
+                  <a:schemeClr val="bg1">
+                    <a:lumMod val="95000"/>
+                  </a:schemeClr>
+                </a:solidFill>
                 <a:latin typeface="Arial Rounded MT Bold" panose="020F0704030504030204" pitchFamily="34" charset="0"/>
               </a:rPr>
               <a:t>Miért volt szükség az IPv6 bevezetésére?</a:t>
@@ -3602,6 +3557,11 @@
           </a:p>
           <a:p>
             <a:endParaRPr lang="hu-HU" b="1" dirty="0">
+              <a:solidFill>
+                <a:schemeClr val="bg1">
+                  <a:lumMod val="95000"/>
+                </a:schemeClr>
+              </a:solidFill>
               <a:latin typeface="Arial Rounded MT Bold" panose="020F0704030504030204" pitchFamily="34" charset="0"/>
             </a:endParaRPr>
           </a:p>
@@ -3627,20 +3587,6 @@
 <file path=ppt/slides/slide3.xml><?xml version="1.0" encoding="utf-8"?>
 <p:sld xmlns:a="http://schemas.openxmlformats.org/drawingml/2006/main" xmlns:r="http://schemas.openxmlformats.org/officeDocument/2006/relationships" xmlns:p="http://schemas.openxmlformats.org/presentationml/2006/main">
   <p:cSld>
-    <p:bg>
-      <p:bgPr>
-        <a:blipFill dpi="0" rotWithShape="1">
-          <a:blip r:embed="rId2">
-            <a:lum/>
-          </a:blip>
-          <a:srcRect/>
-          <a:stretch>
-            <a:fillRect t="-4000" b="-4000"/>
-          </a:stretch>
-        </a:blipFill>
-        <a:effectLst/>
-      </p:bgPr>
-    </p:bg>
     <p:spTree>
       <p:nvGrpSpPr>
         <p:cNvPr id="1" name=""/>
@@ -3678,9 +3624,20 @@
           <a:p>
             <a:r>
               <a:rPr lang="hu-HU" b="1" dirty="0">
+                <a:solidFill>
+                  <a:schemeClr val="bg1">
+                    <a:lumMod val="95000"/>
+                  </a:schemeClr>
+                </a:solidFill>
                 <a:latin typeface="Arial Rounded MT Bold" panose="020F0704030504030204" pitchFamily="34" charset="0"/>
               </a:rPr>
-              <a:t>Az IPv6 előnyei és hátrányai	</a:t>
+              <a:t>Az IPv6 előnyei és hátrányai</a:t>
+            </a:r>
+            <a:r>
+              <a:rPr lang="hu-HU" b="1" dirty="0">
+                <a:latin typeface="Arial Rounded MT Bold" panose="020F0704030504030204" pitchFamily="34" charset="0"/>
+              </a:rPr>
+              <a:t>	</a:t>
             </a:r>
           </a:p>
         </p:txBody>
@@ -3716,6 +3673,11 @@
             </a:pPr>
             <a:r>
               <a:rPr lang="hu-HU" b="1" dirty="0">
+                <a:solidFill>
+                  <a:schemeClr val="bg1">
+                    <a:lumMod val="95000"/>
+                  </a:schemeClr>
+                </a:solidFill>
                 <a:latin typeface="Arial Rounded MT Bold" panose="020F0704030504030204" pitchFamily="34" charset="0"/>
               </a:rPr>
               <a:t>Az IPv6 előnyei:</a:t>
@@ -3725,6 +3687,11 @@
             <a:pPr lvl="5"/>
             <a:r>
               <a:rPr lang="hu-HU" sz="2400" b="1" dirty="0">
+                <a:solidFill>
+                  <a:schemeClr val="bg1">
+                    <a:lumMod val="95000"/>
+                  </a:schemeClr>
+                </a:solidFill>
                 <a:latin typeface="Arial Rounded MT Bold" panose="020F0704030504030204" pitchFamily="34" charset="0"/>
               </a:rPr>
               <a:t>Szinte korlátlan címzés</a:t>
@@ -3734,6 +3701,11 @@
             <a:pPr lvl="5"/>
             <a:r>
               <a:rPr lang="hu-HU" sz="2400" b="1" dirty="0">
+                <a:solidFill>
+                  <a:schemeClr val="bg1">
+                    <a:lumMod val="95000"/>
+                  </a:schemeClr>
+                </a:solidFill>
                 <a:latin typeface="Arial Rounded MT Bold" panose="020F0704030504030204" pitchFamily="34" charset="0"/>
               </a:rPr>
               <a:t>Jobb biztonság</a:t>
@@ -3743,6 +3715,11 @@
             <a:pPr lvl="5"/>
             <a:r>
               <a:rPr lang="hu-HU" sz="2400" b="1" dirty="0">
+                <a:solidFill>
+                  <a:schemeClr val="bg1">
+                    <a:lumMod val="95000"/>
+                  </a:schemeClr>
+                </a:solidFill>
                 <a:latin typeface="Arial Rounded MT Bold" panose="020F0704030504030204" pitchFamily="34" charset="0"/>
               </a:rPr>
               <a:t>Hatékonyabb címkezelés</a:t>
@@ -3752,6 +3729,11 @@
             <a:pPr lvl="5"/>
             <a:r>
               <a:rPr lang="hu-HU" sz="2400" b="1" dirty="0">
+                <a:solidFill>
+                  <a:schemeClr val="bg1">
+                    <a:lumMod val="95000"/>
+                  </a:schemeClr>
+                </a:solidFill>
                 <a:latin typeface="Arial Rounded MT Bold" panose="020F0704030504030204" pitchFamily="34" charset="0"/>
               </a:rPr>
               <a:t>Javított hálózati teljesítmény</a:t>
@@ -3775,20 +3757,6 @@
 <file path=ppt/slides/slide4.xml><?xml version="1.0" encoding="utf-8"?>
 <p:sld xmlns:a="http://schemas.openxmlformats.org/drawingml/2006/main" xmlns:r="http://schemas.openxmlformats.org/officeDocument/2006/relationships" xmlns:p="http://schemas.openxmlformats.org/presentationml/2006/main">
   <p:cSld>
-    <p:bg>
-      <p:bgPr>
-        <a:blipFill dpi="0" rotWithShape="1">
-          <a:blip r:embed="rId2">
-            <a:lum/>
-          </a:blip>
-          <a:srcRect/>
-          <a:stretch>
-            <a:fillRect t="-9000" b="-9000"/>
-          </a:stretch>
-        </a:blipFill>
-        <a:effectLst/>
-      </p:bgPr>
-    </p:bg>
     <p:spTree>
       <p:nvGrpSpPr>
         <p:cNvPr id="1" name=""/>
@@ -3821,8 +3789,8 @@
         </p:nvSpPr>
         <p:spPr>
           <a:xfrm>
-            <a:off x="2484967" y="657489"/>
-            <a:ext cx="7222066" cy="595842"/>
+            <a:off x="0" y="2209801"/>
+            <a:ext cx="6883400" cy="571500"/>
           </a:xfrm>
         </p:spPr>
         <p:txBody>
@@ -3864,8 +3832,8 @@
         </p:nvSpPr>
         <p:spPr>
           <a:xfrm>
-            <a:off x="838200" y="1253331"/>
-            <a:ext cx="10515600" cy="4351338"/>
+            <a:off x="0" y="3209131"/>
+            <a:ext cx="10439400" cy="677069"/>
           </a:xfrm>
         </p:spPr>
         <p:txBody>
@@ -3899,20 +3867,6 @@
 <file path=ppt/slides/slide5.xml><?xml version="1.0" encoding="utf-8"?>
 <p:sld xmlns:a="http://schemas.openxmlformats.org/drawingml/2006/main" xmlns:r="http://schemas.openxmlformats.org/officeDocument/2006/relationships" xmlns:p="http://schemas.openxmlformats.org/presentationml/2006/main">
   <p:cSld>
-    <p:bg>
-      <p:bgPr>
-        <a:blipFill dpi="0" rotWithShape="1">
-          <a:blip r:embed="rId2">
-            <a:lum/>
-          </a:blip>
-          <a:srcRect/>
-          <a:stretch>
-            <a:fillRect t="-9000" b="-9000"/>
-          </a:stretch>
-        </a:blipFill>
-        <a:effectLst/>
-      </p:bgPr>
-    </p:bg>
     <p:spTree>
       <p:nvGrpSpPr>
         <p:cNvPr id="1" name=""/>
@@ -3945,7 +3899,7 @@
         </p:nvSpPr>
         <p:spPr>
           <a:xfrm>
-            <a:off x="4476750" y="500062"/>
+            <a:off x="-25400" y="-38577"/>
             <a:ext cx="3238500" cy="1325563"/>
           </a:xfrm>
         </p:spPr>
@@ -3955,7 +3909,13 @@
           <a:p>
             <a:pPr algn="ctr"/>
             <a:r>
-              <a:rPr lang="hu-HU" b="1" dirty="0"/>
+              <a:rPr lang="hu-HU" b="1" dirty="0">
+                <a:solidFill>
+                  <a:schemeClr val="bg1">
+                    <a:lumMod val="95000"/>
+                  </a:schemeClr>
+                </a:solidFill>
+              </a:rPr>
               <a:t>IPv6 és a jövő</a:t>
             </a:r>
           </a:p>
@@ -3979,54 +3939,106 @@
         </p:nvSpPr>
         <p:spPr>
           <a:xfrm>
-            <a:off x="0" y="2506662"/>
+            <a:off x="-25400" y="1286986"/>
             <a:ext cx="10515600" cy="4351338"/>
           </a:xfrm>
+          <a:noFill/>
+          <a:ln>
+            <a:noFill/>
+          </a:ln>
         </p:spPr>
         <p:txBody>
           <a:bodyPr/>
           <a:lstStyle/>
           <a:p>
             <a:r>
-              <a:rPr lang="hu-HU" b="1" dirty="0"/>
+              <a:rPr lang="hu-HU" b="1" dirty="0">
+                <a:solidFill>
+                  <a:schemeClr val="bg1">
+                    <a:lumMod val="95000"/>
+                  </a:schemeClr>
+                </a:solidFill>
+              </a:rPr>
               <a:t>Párhuzamos működés</a:t>
             </a:r>
           </a:p>
           <a:p>
             <a:r>
-              <a:rPr lang="hu-HU" dirty="0"/>
+              <a:rPr lang="hu-HU" dirty="0">
+                <a:solidFill>
+                  <a:schemeClr val="bg1">
+                    <a:lumMod val="95000"/>
+                  </a:schemeClr>
+                </a:solidFill>
+              </a:rPr>
               <a:t>Az IPv6 már régóta elérhető, de sok helyen még mindig együtt fut az IPv4-gyel.</a:t>
             </a:r>
           </a:p>
           <a:p>
             <a:r>
-              <a:rPr lang="hu-HU" b="1" dirty="0"/>
+              <a:rPr lang="hu-HU" b="1" dirty="0">
+                <a:solidFill>
+                  <a:schemeClr val="bg1">
+                    <a:lumMod val="95000"/>
+                  </a:schemeClr>
+                </a:solidFill>
+              </a:rPr>
               <a:t>Folyamatban lévő átállás</a:t>
             </a:r>
           </a:p>
           <a:p>
             <a:r>
-              <a:rPr lang="hu-HU" dirty="0"/>
+              <a:rPr lang="hu-HU" dirty="0">
+                <a:solidFill>
+                  <a:schemeClr val="bg1">
+                    <a:lumMod val="95000"/>
+                  </a:schemeClr>
+                </a:solidFill>
+              </a:rPr>
               <a:t>A váltás lassú, de folyamatos, és a jövő internetéhez elengedhetetlen.</a:t>
             </a:r>
           </a:p>
           <a:p>
             <a:r>
-              <a:rPr lang="hu-HU" b="1" dirty="0"/>
+              <a:rPr lang="hu-HU" b="1" dirty="0">
+                <a:solidFill>
+                  <a:schemeClr val="bg1">
+                    <a:lumMod val="95000"/>
+                  </a:schemeClr>
+                </a:solidFill>
+              </a:rPr>
               <a:t>Miért fontos?</a:t>
             </a:r>
           </a:p>
           <a:p>
             <a:r>
-              <a:rPr lang="hu-HU" dirty="0"/>
+              <a:rPr lang="hu-HU" dirty="0">
+                <a:solidFill>
+                  <a:schemeClr val="bg1">
+                    <a:lumMod val="95000"/>
+                  </a:schemeClr>
+                </a:solidFill>
+              </a:rPr>
               <a:t>Az </a:t>
             </a:r>
             <a:r>
-              <a:rPr lang="hu-HU" dirty="0" err="1"/>
+              <a:rPr lang="hu-HU" dirty="0" err="1">
+                <a:solidFill>
+                  <a:schemeClr val="bg1">
+                    <a:lumMod val="95000"/>
+                  </a:schemeClr>
+                </a:solidFill>
+              </a:rPr>
               <a:t>IoT</a:t>
             </a:r>
             <a:r>
-              <a:rPr lang="hu-HU" dirty="0"/>
+              <a:rPr lang="hu-HU" dirty="0">
+                <a:solidFill>
+                  <a:schemeClr val="bg1">
+                    <a:lumMod val="95000"/>
+                  </a:schemeClr>
+                </a:solidFill>
+              </a:rPr>
               <a:t>, az okos városok, a járműkommunikáció és a növekvő adatforgalom miatt az IPv6 biztosítja a skálázható és fenntartható hálózati alapot.</a:t>
             </a:r>
           </a:p>
@@ -4051,20 +4063,6 @@
 <file path=ppt/slides/slide6.xml><?xml version="1.0" encoding="utf-8"?>
 <p:sld xmlns:a="http://schemas.openxmlformats.org/drawingml/2006/main" xmlns:r="http://schemas.openxmlformats.org/officeDocument/2006/relationships" xmlns:p="http://schemas.openxmlformats.org/presentationml/2006/main">
   <p:cSld>
-    <p:bg>
-      <p:bgPr>
-        <a:blipFill dpi="0" rotWithShape="1">
-          <a:blip r:embed="rId2">
-            <a:lum/>
-          </a:blip>
-          <a:srcRect/>
-          <a:stretch>
-            <a:fillRect t="-9000" b="-9000"/>
-          </a:stretch>
-        </a:blipFill>
-        <a:effectLst/>
-      </p:bgPr>
-    </p:bg>
     <p:spTree>
       <p:nvGrpSpPr>
         <p:cNvPr id="1" name=""/>
@@ -4097,8 +4095,8 @@
         </p:nvSpPr>
         <p:spPr>
           <a:xfrm>
-            <a:off x="4845050" y="1215230"/>
-            <a:ext cx="2501900" cy="1325563"/>
+            <a:off x="4810125" y="1215230"/>
+            <a:ext cx="2571750" cy="1325563"/>
           </a:xfrm>
         </p:spPr>
         <p:txBody>
@@ -4106,7 +4104,13 @@
           <a:lstStyle/>
           <a:p>
             <a:r>
-              <a:rPr lang="hu-HU" b="1" dirty="0"/>
+              <a:rPr lang="hu-HU" b="1" dirty="0">
+                <a:solidFill>
+                  <a:schemeClr val="bg1">
+                    <a:lumMod val="95000"/>
+                  </a:schemeClr>
+                </a:solidFill>
+              </a:rPr>
               <a:t>Összegzés</a:t>
             </a:r>
           </a:p>
@@ -4139,10 +4143,22 @@
           <a:lstStyle/>
           <a:p>
             <a:r>
-              <a:rPr lang="hu-HU" b="1" dirty="0"/>
+              <a:rPr lang="hu-HU" b="1" dirty="0">
+                <a:solidFill>
+                  <a:schemeClr val="bg1">
+                    <a:lumMod val="95000"/>
+                  </a:schemeClr>
+                </a:solidFill>
+              </a:rPr>
               <a:t>Az IPv6 nem egyszerű frissítés, hanem egy új technológiai alap, amely hatalmas címkészletével világszerte még több eszköz csatlakozását teszi lehetővé. Terjedése folyamatos, és kulcsfontosságú szerepet játszik a jövő internetének fejlődésében.</a:t>
             </a:r>
-            <a:endParaRPr lang="hu-HU" dirty="0"/>
+            <a:endParaRPr lang="hu-HU" dirty="0">
+              <a:solidFill>
+                <a:schemeClr val="bg1">
+                  <a:lumMod val="95000"/>
+                </a:schemeClr>
+              </a:solidFill>
+            </a:endParaRPr>
           </a:p>
           <a:p>
             <a:endParaRPr lang="hu-HU" dirty="0"/>
@@ -4165,20 +4181,6 @@
 <file path=ppt/slides/slide7.xml><?xml version="1.0" encoding="utf-8"?>
 <p:sld xmlns:a="http://schemas.openxmlformats.org/drawingml/2006/main" xmlns:r="http://schemas.openxmlformats.org/officeDocument/2006/relationships" xmlns:p="http://schemas.openxmlformats.org/presentationml/2006/main">
   <p:cSld>
-    <p:bg>
-      <p:bgPr>
-        <a:blipFill dpi="0" rotWithShape="1">
-          <a:blip r:embed="rId2">
-            <a:lum/>
-          </a:blip>
-          <a:srcRect/>
-          <a:stretch>
-            <a:fillRect t="-9000" b="-9000"/>
-          </a:stretch>
-        </a:blipFill>
-        <a:effectLst/>
-      </p:bgPr>
-    </p:bg>
     <p:spTree>
       <p:nvGrpSpPr>
         <p:cNvPr id="1" name=""/>
@@ -4211,19 +4213,43 @@
         </p:nvSpPr>
         <p:spPr>
           <a:xfrm>
-            <a:off x="0" y="1536699"/>
-            <a:ext cx="2159000" cy="1325563"/>
+            <a:off x="0" y="2199480"/>
+            <a:ext cx="2214880" cy="1325563"/>
           </a:xfrm>
         </p:spPr>
         <p:txBody>
-          <a:bodyPr/>
+          <a:bodyPr>
+            <a:normAutofit fontScale="90000"/>
+          </a:bodyPr>
           <a:lstStyle/>
           <a:p>
             <a:pPr algn="ctr"/>
             <a:r>
-              <a:rPr lang="hu-HU" dirty="0"/>
-              <a:t>Források</a:t>
-            </a:r>
+              <a:rPr lang="hu-HU" b="1" dirty="0">
+                <a:solidFill>
+                  <a:schemeClr val="bg1">
+                    <a:lumMod val="95000"/>
+                  </a:schemeClr>
+                </a:solidFill>
+              </a:rPr>
+              <a:t>Források:</a:t>
+            </a:r>
+            <a:br>
+              <a:rPr lang="hu-HU" b="1" dirty="0">
+                <a:solidFill>
+                  <a:schemeClr val="bg1">
+                    <a:lumMod val="95000"/>
+                  </a:schemeClr>
+                </a:solidFill>
+              </a:rPr>
+            </a:br>
+            <a:endParaRPr lang="hu-HU" b="1" dirty="0">
+              <a:solidFill>
+                <a:schemeClr val="bg1">
+                  <a:lumMod val="95000"/>
+                </a:schemeClr>
+              </a:solidFill>
+            </a:endParaRPr>
           </a:p>
         </p:txBody>
       </p:sp>
@@ -4254,21 +4280,51 @@
           <a:lstStyle/>
           <a:p>
             <a:r>
-              <a:rPr lang="hu-HU" dirty="0" err="1"/>
+              <a:rPr lang="hu-HU" b="1" dirty="0" err="1">
+                <a:solidFill>
+                  <a:schemeClr val="bg1">
+                    <a:lumMod val="95000"/>
+                  </a:schemeClr>
+                </a:solidFill>
+              </a:rPr>
               <a:t>ChatGPT</a:t>
             </a:r>
-            <a:endParaRPr lang="hu-HU" dirty="0"/>
-          </a:p>
-          <a:p>
-            <a:r>
-              <a:rPr lang="hu-HU" dirty="0"/>
+            <a:endParaRPr lang="hu-HU" b="1" dirty="0">
+              <a:solidFill>
+                <a:schemeClr val="bg1">
+                  <a:lumMod val="95000"/>
+                </a:schemeClr>
+              </a:solidFill>
+            </a:endParaRPr>
+          </a:p>
+          <a:p>
+            <a:r>
+              <a:rPr lang="hu-HU" b="1" dirty="0">
+                <a:solidFill>
+                  <a:schemeClr val="bg1">
+                    <a:lumMod val="95000"/>
+                  </a:schemeClr>
+                </a:solidFill>
+              </a:rPr>
               <a:t>Google </a:t>
             </a:r>
             <a:r>
-              <a:rPr lang="hu-HU" dirty="0" err="1"/>
+              <a:rPr lang="hu-HU" b="1" dirty="0" err="1">
+                <a:solidFill>
+                  <a:schemeClr val="bg1">
+                    <a:lumMod val="95000"/>
+                  </a:schemeClr>
+                </a:solidFill>
+              </a:rPr>
               <a:t>Images</a:t>
             </a:r>
-            <a:endParaRPr lang="hu-HU" dirty="0"/>
+            <a:endParaRPr lang="hu-HU" b="1" dirty="0">
+              <a:solidFill>
+                <a:schemeClr val="bg1">
+                  <a:lumMod val="95000"/>
+                </a:schemeClr>
+              </a:solidFill>
+            </a:endParaRPr>
           </a:p>
           <a:p>
             <a:endParaRPr lang="hu-HU" dirty="0"/>
